--- a/Java 相關/講義/Log4j2 簡介.pptx
+++ b/Java 相關/講義/Log4j2 簡介.pptx
@@ -110,6 +110,11 @@
       </a:defRPr>
     </a:lvl9pPr>
   </p:defaultTextStyle>
+  <p:extLst>
+    <p:ext uri="{EFAFB233-063F-42B5-8137-9DF3F51BA10A}">
+      <p15:sldGuideLst xmlns:p15="http://schemas.microsoft.com/office/powerpoint/2012/main"/>
+    </p:ext>
+  </p:extLst>
 </p:presentation>
 </file>
 
@@ -7841,7 +7846,7 @@
           <a:p>
             <a:fld id="{CEF938CD-9CA0-47AC-989A-34E1D61A84BD}" type="datetimeFigureOut">
               <a:rPr lang="zh-TW" altLang="en-US" smtClean="0"/>
-              <a:t>2023/12/10</a:t>
+              <a:t>2023/12/11</a:t>
             </a:fld>
             <a:endParaRPr lang="zh-TW" altLang="en-US"/>
           </a:p>
@@ -8153,7 +8158,7 @@
           <a:p>
             <a:fld id="{CEF938CD-9CA0-47AC-989A-34E1D61A84BD}" type="datetimeFigureOut">
               <a:rPr lang="zh-TW" altLang="en-US" smtClean="0"/>
-              <a:t>2023/12/10</a:t>
+              <a:t>2023/12/11</a:t>
             </a:fld>
             <a:endParaRPr lang="zh-TW" altLang="en-US"/>
           </a:p>
@@ -8375,7 +8380,7 @@
           <a:p>
             <a:fld id="{CEF938CD-9CA0-47AC-989A-34E1D61A84BD}" type="datetimeFigureOut">
               <a:rPr lang="zh-TW" altLang="en-US" smtClean="0"/>
-              <a:t>2023/12/10</a:t>
+              <a:t>2023/12/11</a:t>
             </a:fld>
             <a:endParaRPr lang="zh-TW" altLang="en-US"/>
           </a:p>
@@ -8666,7 +8671,7 @@
           <a:p>
             <a:fld id="{CEF938CD-9CA0-47AC-989A-34E1D61A84BD}" type="datetimeFigureOut">
               <a:rPr lang="zh-TW" altLang="en-US" smtClean="0"/>
-              <a:t>2023/12/10</a:t>
+              <a:t>2023/12/11</a:t>
             </a:fld>
             <a:endParaRPr lang="zh-TW" altLang="en-US"/>
           </a:p>
@@ -9120,7 +9125,7 @@
           <a:p>
             <a:fld id="{CEF938CD-9CA0-47AC-989A-34E1D61A84BD}" type="datetimeFigureOut">
               <a:rPr lang="zh-TW" altLang="en-US" smtClean="0"/>
-              <a:t>2023/12/10</a:t>
+              <a:t>2023/12/11</a:t>
             </a:fld>
             <a:endParaRPr lang="zh-TW" altLang="en-US"/>
           </a:p>
@@ -9696,7 +9701,7 @@
           <a:p>
             <a:fld id="{CEF938CD-9CA0-47AC-989A-34E1D61A84BD}" type="datetimeFigureOut">
               <a:rPr lang="zh-TW" altLang="en-US" smtClean="0"/>
-              <a:t>2023/12/10</a:t>
+              <a:t>2023/12/11</a:t>
             </a:fld>
             <a:endParaRPr lang="zh-TW" altLang="en-US"/>
           </a:p>
@@ -10548,7 +10553,7 @@
           <a:p>
             <a:fld id="{CEF938CD-9CA0-47AC-989A-34E1D61A84BD}" type="datetimeFigureOut">
               <a:rPr lang="zh-TW" altLang="en-US" smtClean="0"/>
-              <a:t>2023/12/10</a:t>
+              <a:t>2023/12/11</a:t>
             </a:fld>
             <a:endParaRPr lang="zh-TW" altLang="en-US"/>
           </a:p>
@@ -10753,7 +10758,7 @@
           <a:p>
             <a:fld id="{CEF938CD-9CA0-47AC-989A-34E1D61A84BD}" type="datetimeFigureOut">
               <a:rPr lang="zh-TW" altLang="en-US" smtClean="0"/>
-              <a:t>2023/12/10</a:t>
+              <a:t>2023/12/11</a:t>
             </a:fld>
             <a:endParaRPr lang="zh-TW" altLang="en-US"/>
           </a:p>
@@ -10967,7 +10972,7 @@
           <a:p>
             <a:fld id="{CEF938CD-9CA0-47AC-989A-34E1D61A84BD}" type="datetimeFigureOut">
               <a:rPr lang="zh-TW" altLang="en-US" smtClean="0"/>
-              <a:t>2023/12/10</a:t>
+              <a:t>2023/12/11</a:t>
             </a:fld>
             <a:endParaRPr lang="zh-TW" altLang="en-US"/>
           </a:p>
@@ -11172,7 +11177,7 @@
           <a:p>
             <a:fld id="{CEF938CD-9CA0-47AC-989A-34E1D61A84BD}" type="datetimeFigureOut">
               <a:rPr lang="zh-TW" altLang="en-US" smtClean="0"/>
-              <a:t>2023/12/10</a:t>
+              <a:t>2023/12/11</a:t>
             </a:fld>
             <a:endParaRPr lang="zh-TW" altLang="en-US"/>
           </a:p>
@@ -11452,7 +11457,7 @@
           <a:p>
             <a:fld id="{CEF938CD-9CA0-47AC-989A-34E1D61A84BD}" type="datetimeFigureOut">
               <a:rPr lang="zh-TW" altLang="en-US" smtClean="0"/>
-              <a:t>2023/12/10</a:t>
+              <a:t>2023/12/11</a:t>
             </a:fld>
             <a:endParaRPr lang="zh-TW" altLang="en-US"/>
           </a:p>
@@ -11719,7 +11724,7 @@
           <a:p>
             <a:fld id="{CEF938CD-9CA0-47AC-989A-34E1D61A84BD}" type="datetimeFigureOut">
               <a:rPr lang="zh-TW" altLang="en-US" smtClean="0"/>
-              <a:t>2023/12/10</a:t>
+              <a:t>2023/12/11</a:t>
             </a:fld>
             <a:endParaRPr lang="zh-TW" altLang="en-US"/>
           </a:p>
@@ -12134,7 +12139,7 @@
           <a:p>
             <a:fld id="{CEF938CD-9CA0-47AC-989A-34E1D61A84BD}" type="datetimeFigureOut">
               <a:rPr lang="zh-TW" altLang="en-US" smtClean="0"/>
-              <a:t>2023/12/10</a:t>
+              <a:t>2023/12/11</a:t>
             </a:fld>
             <a:endParaRPr lang="zh-TW" altLang="en-US"/>
           </a:p>
@@ -12282,7 +12287,7 @@
           <a:p>
             <a:fld id="{CEF938CD-9CA0-47AC-989A-34E1D61A84BD}" type="datetimeFigureOut">
               <a:rPr lang="zh-TW" altLang="en-US" smtClean="0"/>
-              <a:t>2023/12/10</a:t>
+              <a:t>2023/12/11</a:t>
             </a:fld>
             <a:endParaRPr lang="zh-TW" altLang="en-US"/>
           </a:p>
@@ -12407,7 +12412,7 @@
           <a:p>
             <a:fld id="{CEF938CD-9CA0-47AC-989A-34E1D61A84BD}" type="datetimeFigureOut">
               <a:rPr lang="zh-TW" altLang="en-US" smtClean="0"/>
-              <a:t>2023/12/10</a:t>
+              <a:t>2023/12/11</a:t>
             </a:fld>
             <a:endParaRPr lang="zh-TW" altLang="en-US"/>
           </a:p>
@@ -12686,7 +12691,7 @@
           <a:p>
             <a:fld id="{CEF938CD-9CA0-47AC-989A-34E1D61A84BD}" type="datetimeFigureOut">
               <a:rPr lang="zh-TW" altLang="en-US" smtClean="0"/>
-              <a:t>2023/12/10</a:t>
+              <a:t>2023/12/11</a:t>
             </a:fld>
             <a:endParaRPr lang="zh-TW" altLang="en-US"/>
           </a:p>
@@ -12998,7 +13003,7 @@
           <a:p>
             <a:fld id="{CEF938CD-9CA0-47AC-989A-34E1D61A84BD}" type="datetimeFigureOut">
               <a:rPr lang="zh-TW" altLang="en-US" smtClean="0"/>
-              <a:t>2023/12/10</a:t>
+              <a:t>2023/12/11</a:t>
             </a:fld>
             <a:endParaRPr lang="zh-TW" altLang="en-US"/>
           </a:p>
@@ -13251,7 +13256,7 @@
           <a:p>
             <a:fld id="{CEF938CD-9CA0-47AC-989A-34E1D61A84BD}" type="datetimeFigureOut">
               <a:rPr lang="zh-TW" altLang="en-US" smtClean="0"/>
-              <a:t>2023/12/10</a:t>
+              <a:t>2023/12/11</a:t>
             </a:fld>
             <a:endParaRPr lang="zh-TW" altLang="en-US"/>
           </a:p>
@@ -15858,6 +15863,13 @@
               <a:rPr lang="zh-TW" altLang="en-US" dirty="0"/>
               <a:t>最誇張的異步性能</a:t>
             </a:r>
+            <a:endParaRPr lang="en-US" altLang="zh-TW" dirty="0"/>
+          </a:p>
+          <a:p>
+            <a:r>
+              <a:rPr lang="zh-TW" altLang="en-US" dirty="0"/>
+              <a:t>資訊安全</a:t>
+            </a:r>
           </a:p>
         </p:txBody>
       </p:sp>
